--- a/data/project_notice.pptx
+++ b/data/project_notice.pptx
@@ -225,7 +225,7 @@
             <a:fld id="{F2C886A8-3B34-4F59-9996-921328CDA452}" type="datetimeFigureOut">
               <a:rPr lang="ko-KR" altLang="en-US" smtClean="0"/>
               <a:pPr/>
-              <a:t>2017-05-23</a:t>
+              <a:t>2017-05-24</a:t>
             </a:fld>
             <a:endParaRPr lang="ko-KR" altLang="en-US"/>
           </a:p>
@@ -393,7 +393,7 @@
             <a:fld id="{CB35E60D-F1CA-4663-8A94-573EEC285FF9}" type="datetimeFigureOut">
               <a:rPr lang="ko-KR" altLang="en-US" smtClean="0"/>
               <a:pPr/>
-              <a:t>2017-05-23</a:t>
+              <a:t>2017-05-24</a:t>
             </a:fld>
             <a:endParaRPr lang="ko-KR" altLang="en-US"/>
           </a:p>
@@ -4559,32 +4559,8 @@
           </a:p>
           <a:p>
             <a:r>
-              <a:rPr lang="en-US" altLang="ko-KR" dirty="0" smtClean="0"/>
-              <a:t>6/7</a:t>
-            </a:r>
-            <a:r>
-              <a:rPr lang="ko-KR" altLang="en-US" dirty="0" smtClean="0"/>
-              <a:t>일 중간 과정</a:t>
-            </a:r>
-            <a:r>
-              <a:rPr lang="en-US" altLang="ko-KR" dirty="0" smtClean="0"/>
-              <a:t>(</a:t>
-            </a:r>
-            <a:r>
-              <a:rPr lang="ko-KR" altLang="en-US" dirty="0" smtClean="0"/>
-              <a:t>성능만</a:t>
-            </a:r>
-            <a:r>
-              <a:rPr lang="en-US" altLang="ko-KR" dirty="0" smtClean="0"/>
-              <a:t>), </a:t>
-            </a:r>
-            <a:r>
-              <a:rPr lang="ko-KR" altLang="en-US" dirty="0" smtClean="0"/>
-              <a:t> </a:t>
-            </a:r>
-            <a:r>
-              <a:rPr lang="en-US" altLang="ko-KR" dirty="0" smtClean="0"/>
-              <a:t>6/14 </a:t>
+              <a:rPr lang="en-US" altLang="ko-KR" smtClean="0"/>
+              <a:t>6/7 </a:t>
             </a:r>
             <a:r>
               <a:rPr lang="ko-KR" altLang="en-US" dirty="0" smtClean="0"/>

--- a/data/project_notice.pptx
+++ b/data/project_notice.pptx
@@ -225,7 +225,7 @@
             <a:fld id="{F2C886A8-3B34-4F59-9996-921328CDA452}" type="datetimeFigureOut">
               <a:rPr lang="ko-KR" altLang="en-US" smtClean="0"/>
               <a:pPr/>
-              <a:t>2017-05-24</a:t>
+              <a:t>2017-06-07</a:t>
             </a:fld>
             <a:endParaRPr lang="ko-KR" altLang="en-US"/>
           </a:p>
@@ -393,7 +393,7 @@
             <a:fld id="{CB35E60D-F1CA-4663-8A94-573EEC285FF9}" type="datetimeFigureOut">
               <a:rPr lang="ko-KR" altLang="en-US" smtClean="0"/>
               <a:pPr/>
-              <a:t>2017-05-24</a:t>
+              <a:t>2017-06-07</a:t>
             </a:fld>
             <a:endParaRPr lang="ko-KR" altLang="en-US"/>
           </a:p>
@@ -4547,72 +4547,97 @@
           <a:p>
             <a:r>
               <a:rPr lang="ko-KR" altLang="en-US" dirty="0" smtClean="0"/>
-              <a:t>외부 검색 라이브러리 사용 불가</a:t>
+              <a:t>외부 검색 라이브러리 사용 </a:t>
+            </a:r>
+            <a:r>
+              <a:rPr lang="ko-KR" altLang="en-US" dirty="0" smtClean="0"/>
+              <a:t>불가</a:t>
             </a:r>
             <a:endParaRPr lang="en-US" altLang="ko-KR" dirty="0" smtClean="0"/>
           </a:p>
           <a:p>
-            <a:pPr marL="0" indent="0">
-              <a:buNone/>
-            </a:pPr>
+            <a:r>
+              <a:rPr lang="en-US" altLang="ko-KR" dirty="0" smtClean="0"/>
+              <a:t>6/17(</a:t>
+            </a:r>
+            <a:r>
+              <a:rPr lang="ko-KR" altLang="en-US" dirty="0" smtClean="0"/>
+              <a:t>토</a:t>
+            </a:r>
+            <a:r>
+              <a:rPr lang="en-US" altLang="ko-KR" dirty="0" smtClean="0"/>
+              <a:t>) 15:00~16:50 </a:t>
+            </a:r>
+            <a:r>
+              <a:rPr lang="ko-KR" altLang="en-US" dirty="0" smtClean="0"/>
+              <a:t>최종 발표</a:t>
+            </a:r>
+            <a:r>
+              <a:rPr lang="en-US" altLang="ko-KR" dirty="0" smtClean="0"/>
+              <a:t/>
+            </a:r>
+            <a:br>
+              <a:rPr lang="en-US" altLang="ko-KR" dirty="0" smtClean="0"/>
+            </a:br>
+            <a:r>
+              <a:rPr lang="ko-KR" altLang="en-US" dirty="0" smtClean="0"/>
+              <a:t>최종발표는 </a:t>
+            </a:r>
+            <a:r>
+              <a:rPr lang="en-US" altLang="ko-KR" dirty="0" smtClean="0"/>
+              <a:t>PPT 1~2</a:t>
+            </a:r>
+            <a:r>
+              <a:rPr lang="ko-KR" altLang="en-US" dirty="0" smtClean="0"/>
+              <a:t>장으로 </a:t>
+            </a:r>
+            <a:r>
+              <a:rPr lang="en-US" altLang="ko-KR" dirty="0" smtClean="0"/>
+              <a:t>3</a:t>
+            </a:r>
+            <a:r>
+              <a:rPr lang="ko-KR" altLang="en-US" dirty="0" smtClean="0"/>
+              <a:t>분내 발표</a:t>
+            </a:r>
+            <a:r>
+              <a:rPr lang="en-US" altLang="ko-KR" dirty="0" smtClean="0"/>
+              <a:t>(</a:t>
+            </a:r>
+            <a:r>
+              <a:rPr lang="ko-KR" altLang="en-US" dirty="0" smtClean="0"/>
+              <a:t>모델</a:t>
+            </a:r>
+            <a:r>
+              <a:rPr lang="en-US" altLang="ko-KR" dirty="0" smtClean="0"/>
+              <a:t>, </a:t>
+            </a:r>
+            <a:r>
+              <a:rPr lang="ko-KR" altLang="en-US" dirty="0" smtClean="0"/>
+              <a:t>성능</a:t>
+            </a:r>
+            <a:r>
+              <a:rPr lang="en-US" altLang="ko-KR" dirty="0" smtClean="0"/>
+              <a:t>)</a:t>
+            </a:r>
+          </a:p>
+          <a:p>
+            <a:r>
+              <a:rPr lang="ko-KR" altLang="en-US" dirty="0" smtClean="0"/>
+              <a:t>방법 상관없이 </a:t>
+            </a:r>
+            <a:r>
+              <a:rPr lang="en-US" altLang="ko-KR" dirty="0" smtClean="0"/>
+              <a:t>6/17</a:t>
+            </a:r>
+            <a:r>
+              <a:rPr lang="ko-KR" altLang="en-US" dirty="0" smtClean="0"/>
+              <a:t>일 제출</a:t>
+            </a:r>
+            <a:r>
+              <a:rPr lang="en-US" altLang="ko-KR" smtClean="0"/>
+              <a:t>(gyk@kangwon.ac.kr)</a:t>
+            </a:r>
             <a:endParaRPr lang="en-US" altLang="ko-KR" dirty="0" smtClean="0"/>
-          </a:p>
-          <a:p>
-            <a:r>
-              <a:rPr lang="en-US" altLang="ko-KR" smtClean="0"/>
-              <a:t>6/7 </a:t>
-            </a:r>
-            <a:r>
-              <a:rPr lang="ko-KR" altLang="en-US" dirty="0" smtClean="0"/>
-              <a:t>최종 발표</a:t>
-            </a:r>
-            <a:r>
-              <a:rPr lang="en-US" altLang="ko-KR" dirty="0" smtClean="0"/>
-              <a:t/>
-            </a:r>
-            <a:br>
-              <a:rPr lang="en-US" altLang="ko-KR" dirty="0" smtClean="0"/>
-            </a:br>
-            <a:r>
-              <a:rPr lang="ko-KR" altLang="en-US" dirty="0" smtClean="0"/>
-              <a:t>최종발표는 </a:t>
-            </a:r>
-            <a:r>
-              <a:rPr lang="en-US" altLang="ko-KR" dirty="0" smtClean="0"/>
-              <a:t>PPT 1~2</a:t>
-            </a:r>
-            <a:r>
-              <a:rPr lang="ko-KR" altLang="en-US" dirty="0" smtClean="0"/>
-              <a:t>장으로 </a:t>
-            </a:r>
-            <a:r>
-              <a:rPr lang="en-US" altLang="ko-KR" dirty="0" smtClean="0"/>
-              <a:t>3</a:t>
-            </a:r>
-            <a:r>
-              <a:rPr lang="ko-KR" altLang="en-US" dirty="0" smtClean="0"/>
-              <a:t>분내 발표</a:t>
-            </a:r>
-            <a:r>
-              <a:rPr lang="en-US" altLang="ko-KR" dirty="0" smtClean="0"/>
-              <a:t>(</a:t>
-            </a:r>
-            <a:r>
-              <a:rPr lang="ko-KR" altLang="en-US" dirty="0" smtClean="0"/>
-              <a:t>모델</a:t>
-            </a:r>
-            <a:r>
-              <a:rPr lang="en-US" altLang="ko-KR" dirty="0" smtClean="0"/>
-              <a:t>, </a:t>
-            </a:r>
-            <a:r>
-              <a:rPr lang="ko-KR" altLang="en-US" dirty="0" smtClean="0"/>
-              <a:t>성능</a:t>
-            </a:r>
-            <a:r>
-              <a:rPr lang="en-US" altLang="ko-KR" dirty="0" smtClean="0"/>
-              <a:t>)</a:t>
-            </a:r>
           </a:p>
           <a:p>
             <a:r>
